--- a/Forest_Fire_Simulation_Presentation.pptx
+++ b/Forest_Fire_Simulation_Presentation.pptx
@@ -221,7 +221,7 @@
           <a:p>
             <a:fld id="{9E711011-0478-4149-8A36-3661892285EF}" type="datetimeFigureOut">
               <a:rPr lang="en-US" smtClean="0"/>
-              <a:t>06/17/2025</a:t>
+              <a:t>12/23/2025</a:t>
             </a:fld>
             <a:endParaRPr lang="en-US"/>
           </a:p>
@@ -285,35 +285,35 @@
           <a:p>
             <a:pPr lvl="0"/>
             <a:r>
-              <a:rPr lang="ru-RU" smtClean="0"/>
+              <a:rPr lang="ru-RU"/>
               <a:t>Образец текста</a:t>
             </a:r>
           </a:p>
           <a:p>
             <a:pPr lvl="1"/>
             <a:r>
-              <a:rPr lang="ru-RU" smtClean="0"/>
+              <a:rPr lang="ru-RU"/>
               <a:t>Второй уровень</a:t>
             </a:r>
           </a:p>
           <a:p>
             <a:pPr lvl="2"/>
             <a:r>
-              <a:rPr lang="ru-RU" smtClean="0"/>
+              <a:rPr lang="ru-RU"/>
               <a:t>Третий уровень</a:t>
             </a:r>
           </a:p>
           <a:p>
             <a:pPr lvl="3"/>
             <a:r>
-              <a:rPr lang="ru-RU" smtClean="0"/>
+              <a:rPr lang="ru-RU"/>
               <a:t>Четвертый уровень</a:t>
             </a:r>
           </a:p>
           <a:p>
             <a:pPr lvl="4"/>
             <a:r>
-              <a:rPr lang="ru-RU" smtClean="0"/>
+              <a:rPr lang="ru-RU"/>
               <a:t>Пятый уровень</a:t>
             </a:r>
             <a:endParaRPr lang="en-US"/>
@@ -531,7 +531,7 @@
           </a:lstStyle>
           <a:p>
             <a:r>
-              <a:rPr lang="ru-RU" smtClean="0"/>
+              <a:rPr lang="ru-RU"/>
               <a:t>Образец заголовка</a:t>
             </a:r>
             <a:endParaRPr lang="en-US" dirty="0"/>
@@ -651,7 +651,7 @@
           </a:lstStyle>
           <a:p>
             <a:r>
-              <a:rPr lang="ru-RU" smtClean="0"/>
+              <a:rPr lang="ru-RU"/>
               <a:t>Образец подзаголовка</a:t>
             </a:r>
             <a:endParaRPr lang="en-US" dirty="0"/>
@@ -675,7 +675,7 @@
           <a:p>
             <a:fld id="{9401A91E-A3E2-4746-83C1-4B4C88458491}" type="datetime1">
               <a:rPr lang="en-US" smtClean="0"/>
-              <a:t>06/17/2025</a:t>
+              <a:t>12/23/2025</a:t>
             </a:fld>
             <a:endParaRPr lang="en-US"/>
           </a:p>
@@ -780,7 +780,7 @@
           </a:lstStyle>
           <a:p>
             <a:r>
-              <a:rPr lang="ru-RU" smtClean="0"/>
+              <a:rPr lang="ru-RU"/>
               <a:t>Образец заголовка</a:t>
             </a:r>
             <a:endParaRPr lang="en-US" dirty="0"/>
@@ -859,7 +859,7 @@
           </a:lstStyle>
           <a:p>
             <a:r>
-              <a:rPr lang="ru-RU" smtClean="0"/>
+              <a:rPr lang="ru-RU"/>
               <a:t>Вставка рисунка</a:t>
             </a:r>
             <a:endParaRPr lang="en-US" dirty="0"/>
@@ -927,7 +927,7 @@
           <a:p>
             <a:pPr lvl="0"/>
             <a:r>
-              <a:rPr lang="ru-RU" smtClean="0"/>
+              <a:rPr lang="ru-RU"/>
               <a:t>Образец текста</a:t>
             </a:r>
           </a:p>
@@ -950,7 +950,7 @@
           <a:p>
             <a:fld id="{D86053F8-C29E-4734-9ED4-B84BBE4C3807}" type="datetime1">
               <a:rPr lang="en-US" smtClean="0"/>
-              <a:t>06/17/2025</a:t>
+              <a:t>12/23/2025</a:t>
             </a:fld>
             <a:endParaRPr lang="en-US"/>
           </a:p>
@@ -1053,7 +1053,7 @@
           </a:lstStyle>
           <a:p>
             <a:r>
-              <a:rPr lang="ru-RU" smtClean="0"/>
+              <a:rPr lang="ru-RU"/>
               <a:t>Образец заголовка</a:t>
             </a:r>
             <a:endParaRPr lang="en-US" dirty="0"/>
@@ -1121,7 +1121,7 @@
           <a:p>
             <a:pPr lvl="0"/>
             <a:r>
-              <a:rPr lang="ru-RU" smtClean="0"/>
+              <a:rPr lang="ru-RU"/>
               <a:t>Образец текста</a:t>
             </a:r>
           </a:p>
@@ -1144,7 +1144,7 @@
           <a:p>
             <a:fld id="{614F9723-1E1C-4D4A-B6FD-F2C115A27FD9}" type="datetime1">
               <a:rPr lang="en-US" smtClean="0"/>
-              <a:t>06/17/2025</a:t>
+              <a:t>12/23/2025</a:t>
             </a:fld>
             <a:endParaRPr lang="en-US"/>
           </a:p>
@@ -1247,7 +1247,7 @@
           </a:lstStyle>
           <a:p>
             <a:r>
-              <a:rPr lang="ru-RU" smtClean="0"/>
+              <a:rPr lang="ru-RU"/>
               <a:t>Образец заголовка</a:t>
             </a:r>
             <a:endParaRPr lang="en-US" dirty="0"/>
@@ -1327,7 +1327,7 @@
               <a:buNone/>
             </a:pPr>
             <a:r>
-              <a:rPr lang="ru-RU" smtClean="0"/>
+              <a:rPr lang="ru-RU"/>
               <a:t>Образец текста</a:t>
             </a:r>
           </a:p>
@@ -1394,7 +1394,7 @@
           <a:p>
             <a:pPr lvl="0"/>
             <a:r>
-              <a:rPr lang="ru-RU" smtClean="0"/>
+              <a:rPr lang="ru-RU"/>
               <a:t>Образец текста</a:t>
             </a:r>
           </a:p>
@@ -1417,7 +1417,7 @@
           <a:p>
             <a:fld id="{990764B0-2CEC-4A3D-9144-122D80FC82B6}" type="datetime1">
               <a:rPr lang="en-US" smtClean="0"/>
-              <a:t>06/17/2025</a:t>
+              <a:t>12/23/2025</a:t>
             </a:fld>
             <a:endParaRPr lang="en-US"/>
           </a:p>
@@ -1614,7 +1614,7 @@
           </a:lstStyle>
           <a:p>
             <a:r>
-              <a:rPr lang="ru-RU" smtClean="0"/>
+              <a:rPr lang="ru-RU"/>
               <a:t>Образец заголовка</a:t>
             </a:r>
             <a:endParaRPr lang="en-US" dirty="0"/>
@@ -1735,7 +1735,7 @@
           <a:p>
             <a:pPr lvl="0"/>
             <a:r>
-              <a:rPr lang="ru-RU" smtClean="0"/>
+              <a:rPr lang="ru-RU"/>
               <a:t>Образец текста</a:t>
             </a:r>
           </a:p>
@@ -1758,7 +1758,7 @@
           <a:p>
             <a:fld id="{ED848541-34BA-413F-8905-6F72CFB0DD92}" type="datetime1">
               <a:rPr lang="en-US" smtClean="0"/>
-              <a:t>06/17/2025</a:t>
+              <a:t>12/23/2025</a:t>
             </a:fld>
             <a:endParaRPr lang="en-US"/>
           </a:p>
@@ -1856,7 +1856,7 @@
           </a:lstStyle>
           <a:p>
             <a:r>
-              <a:rPr lang="ru-RU" smtClean="0"/>
+              <a:rPr lang="ru-RU"/>
               <a:t>Образец заголовка</a:t>
             </a:r>
             <a:endParaRPr lang="en-US" dirty="0"/>
@@ -1931,7 +1931,7 @@
           <a:p>
             <a:pPr lvl="0"/>
             <a:r>
-              <a:rPr lang="ru-RU" smtClean="0"/>
+              <a:rPr lang="ru-RU"/>
               <a:t>Образец текста</a:t>
             </a:r>
           </a:p>
@@ -1998,7 +1998,7 @@
           <a:p>
             <a:pPr lvl="0"/>
             <a:r>
-              <a:rPr lang="ru-RU" smtClean="0"/>
+              <a:rPr lang="ru-RU"/>
               <a:t>Образец текста</a:t>
             </a:r>
           </a:p>
@@ -2072,7 +2072,7 @@
           <a:p>
             <a:pPr lvl="0"/>
             <a:r>
-              <a:rPr lang="ru-RU" smtClean="0"/>
+              <a:rPr lang="ru-RU"/>
               <a:t>Образец текста</a:t>
             </a:r>
           </a:p>
@@ -2139,7 +2139,7 @@
           <a:p>
             <a:pPr lvl="0"/>
             <a:r>
-              <a:rPr lang="ru-RU" smtClean="0"/>
+              <a:rPr lang="ru-RU"/>
               <a:t>Образец текста</a:t>
             </a:r>
           </a:p>
@@ -2213,7 +2213,7 @@
           <a:p>
             <a:pPr lvl="0"/>
             <a:r>
-              <a:rPr lang="ru-RU" smtClean="0"/>
+              <a:rPr lang="ru-RU"/>
               <a:t>Образец текста</a:t>
             </a:r>
           </a:p>
@@ -2280,7 +2280,7 @@
           <a:p>
             <a:pPr lvl="0"/>
             <a:r>
-              <a:rPr lang="ru-RU" smtClean="0"/>
+              <a:rPr lang="ru-RU"/>
               <a:t>Образец текста</a:t>
             </a:r>
           </a:p>
@@ -2381,7 +2381,7 @@
           <a:p>
             <a:fld id="{23139AB2-4C19-46C1-9429-0C4C1300394E}" type="datetime1">
               <a:rPr lang="en-US" smtClean="0"/>
-              <a:t>06/17/2025</a:t>
+              <a:t>12/23/2025</a:t>
             </a:fld>
             <a:endParaRPr lang="en-US"/>
           </a:p>
@@ -2479,7 +2479,7 @@
           </a:lstStyle>
           <a:p>
             <a:r>
-              <a:rPr lang="ru-RU" smtClean="0"/>
+              <a:rPr lang="ru-RU"/>
               <a:t>Образец заголовка</a:t>
             </a:r>
             <a:endParaRPr lang="en-US" dirty="0"/>
@@ -2554,7 +2554,7 @@
           <a:p>
             <a:pPr lvl="0"/>
             <a:r>
-              <a:rPr lang="ru-RU" smtClean="0"/>
+              <a:rPr lang="ru-RU"/>
               <a:t>Образец текста</a:t>
             </a:r>
           </a:p>
@@ -2632,7 +2632,7 @@
           </a:lstStyle>
           <a:p>
             <a:r>
-              <a:rPr lang="ru-RU" smtClean="0"/>
+              <a:rPr lang="ru-RU"/>
               <a:t>Вставка рисунка</a:t>
             </a:r>
             <a:endParaRPr lang="en-US" dirty="0"/>
@@ -2700,7 +2700,7 @@
           <a:p>
             <a:pPr lvl="0"/>
             <a:r>
-              <a:rPr lang="ru-RU" smtClean="0"/>
+              <a:rPr lang="ru-RU"/>
               <a:t>Образец текста</a:t>
             </a:r>
           </a:p>
@@ -2774,7 +2774,7 @@
           <a:p>
             <a:pPr lvl="0"/>
             <a:r>
-              <a:rPr lang="ru-RU" smtClean="0"/>
+              <a:rPr lang="ru-RU"/>
               <a:t>Образец текста</a:t>
             </a:r>
           </a:p>
@@ -2852,7 +2852,7 @@
           </a:lstStyle>
           <a:p>
             <a:r>
-              <a:rPr lang="ru-RU" smtClean="0"/>
+              <a:rPr lang="ru-RU"/>
               <a:t>Вставка рисунка</a:t>
             </a:r>
             <a:endParaRPr lang="en-US" dirty="0"/>
@@ -2920,7 +2920,7 @@
           <a:p>
             <a:pPr lvl="0"/>
             <a:r>
-              <a:rPr lang="ru-RU" smtClean="0"/>
+              <a:rPr lang="ru-RU"/>
               <a:t>Образец текста</a:t>
             </a:r>
           </a:p>
@@ -2994,7 +2994,7 @@
           <a:p>
             <a:pPr lvl="0"/>
             <a:r>
-              <a:rPr lang="ru-RU" smtClean="0"/>
+              <a:rPr lang="ru-RU"/>
               <a:t>Образец текста</a:t>
             </a:r>
           </a:p>
@@ -3072,7 +3072,7 @@
           </a:lstStyle>
           <a:p>
             <a:r>
-              <a:rPr lang="ru-RU" smtClean="0"/>
+              <a:rPr lang="ru-RU"/>
               <a:t>Вставка рисунка</a:t>
             </a:r>
             <a:endParaRPr lang="en-US" dirty="0"/>
@@ -3140,7 +3140,7 @@
           <a:p>
             <a:pPr lvl="0"/>
             <a:r>
-              <a:rPr lang="ru-RU" smtClean="0"/>
+              <a:rPr lang="ru-RU"/>
               <a:t>Образец текста</a:t>
             </a:r>
           </a:p>
@@ -3241,7 +3241,7 @@
           <a:p>
             <a:fld id="{FF49E9AF-E6C8-4E03-BDDE-8033D1699FF6}" type="datetime1">
               <a:rPr lang="en-US" smtClean="0"/>
-              <a:t>06/17/2025</a:t>
+              <a:t>12/23/2025</a:t>
             </a:fld>
             <a:endParaRPr lang="en-US"/>
           </a:p>
@@ -3335,7 +3335,7 @@
           <a:lstStyle/>
           <a:p>
             <a:r>
-              <a:rPr lang="ru-RU" smtClean="0"/>
+              <a:rPr lang="ru-RU"/>
               <a:t>Образец заголовка</a:t>
             </a:r>
             <a:endParaRPr lang="en-US" dirty="0"/>
@@ -3359,35 +3359,35 @@
           <a:p>
             <a:pPr lvl="0"/>
             <a:r>
-              <a:rPr lang="ru-RU" smtClean="0"/>
+              <a:rPr lang="ru-RU"/>
               <a:t>Образец текста</a:t>
             </a:r>
           </a:p>
           <a:p>
             <a:pPr lvl="1"/>
             <a:r>
-              <a:rPr lang="ru-RU" smtClean="0"/>
+              <a:rPr lang="ru-RU"/>
               <a:t>Второй уровень</a:t>
             </a:r>
           </a:p>
           <a:p>
             <a:pPr lvl="2"/>
             <a:r>
-              <a:rPr lang="ru-RU" smtClean="0"/>
+              <a:rPr lang="ru-RU"/>
               <a:t>Третий уровень</a:t>
             </a:r>
           </a:p>
           <a:p>
             <a:pPr lvl="3"/>
             <a:r>
-              <a:rPr lang="ru-RU" smtClean="0"/>
+              <a:rPr lang="ru-RU"/>
               <a:t>Четвертый уровень</a:t>
             </a:r>
           </a:p>
           <a:p>
             <a:pPr lvl="4"/>
             <a:r>
-              <a:rPr lang="ru-RU" smtClean="0"/>
+              <a:rPr lang="ru-RU"/>
               <a:t>Пятый уровень</a:t>
             </a:r>
             <a:endParaRPr lang="en-US" dirty="0"/>
@@ -3411,7 +3411,7 @@
           <a:p>
             <a:fld id="{13E2B6B9-954B-4B59-8EED-D998FB8857D4}" type="datetime1">
               <a:rPr lang="en-US" smtClean="0"/>
-              <a:t>06/17/2025</a:t>
+              <a:t>12/23/2025</a:t>
             </a:fld>
             <a:endParaRPr lang="en-US"/>
           </a:p>
@@ -3510,7 +3510,7 @@
           <a:lstStyle/>
           <a:p>
             <a:r>
-              <a:rPr lang="ru-RU" smtClean="0"/>
+              <a:rPr lang="ru-RU"/>
               <a:t>Образец заголовка</a:t>
             </a:r>
             <a:endParaRPr lang="en-US" dirty="0"/>
@@ -3539,35 +3539,35 @@
           <a:p>
             <a:pPr lvl="0"/>
             <a:r>
-              <a:rPr lang="ru-RU" smtClean="0"/>
+              <a:rPr lang="ru-RU"/>
               <a:t>Образец текста</a:t>
             </a:r>
           </a:p>
           <a:p>
             <a:pPr lvl="1"/>
             <a:r>
-              <a:rPr lang="ru-RU" smtClean="0"/>
+              <a:rPr lang="ru-RU"/>
               <a:t>Второй уровень</a:t>
             </a:r>
           </a:p>
           <a:p>
             <a:pPr lvl="2"/>
             <a:r>
-              <a:rPr lang="ru-RU" smtClean="0"/>
+              <a:rPr lang="ru-RU"/>
               <a:t>Третий уровень</a:t>
             </a:r>
           </a:p>
           <a:p>
             <a:pPr lvl="3"/>
             <a:r>
-              <a:rPr lang="ru-RU" smtClean="0"/>
+              <a:rPr lang="ru-RU"/>
               <a:t>Четвертый уровень</a:t>
             </a:r>
           </a:p>
           <a:p>
             <a:pPr lvl="4"/>
             <a:r>
-              <a:rPr lang="ru-RU" smtClean="0"/>
+              <a:rPr lang="ru-RU"/>
               <a:t>Пятый уровень</a:t>
             </a:r>
             <a:endParaRPr lang="en-US" dirty="0"/>
@@ -3591,7 +3591,7 @@
           <a:p>
             <a:fld id="{C1E3AFCA-8DC9-431D-8016-5279134B6507}" type="datetime1">
               <a:rPr lang="en-US" smtClean="0"/>
-              <a:t>06/17/2025</a:t>
+              <a:t>12/23/2025</a:t>
             </a:fld>
             <a:endParaRPr lang="en-US"/>
           </a:p>
@@ -3685,7 +3685,7 @@
           <a:lstStyle/>
           <a:p>
             <a:r>
-              <a:rPr lang="ru-RU" smtClean="0"/>
+              <a:rPr lang="ru-RU"/>
               <a:t>Образец заголовка</a:t>
             </a:r>
             <a:endParaRPr lang="en-US" dirty="0"/>
@@ -3709,35 +3709,35 @@
           <a:p>
             <a:pPr lvl="0"/>
             <a:r>
-              <a:rPr lang="ru-RU" smtClean="0"/>
+              <a:rPr lang="ru-RU"/>
               <a:t>Образец текста</a:t>
             </a:r>
           </a:p>
           <a:p>
             <a:pPr lvl="1"/>
             <a:r>
-              <a:rPr lang="ru-RU" smtClean="0"/>
+              <a:rPr lang="ru-RU"/>
               <a:t>Второй уровень</a:t>
             </a:r>
           </a:p>
           <a:p>
             <a:pPr lvl="2"/>
             <a:r>
-              <a:rPr lang="ru-RU" smtClean="0"/>
+              <a:rPr lang="ru-RU"/>
               <a:t>Третий уровень</a:t>
             </a:r>
           </a:p>
           <a:p>
             <a:pPr lvl="3"/>
             <a:r>
-              <a:rPr lang="ru-RU" smtClean="0"/>
+              <a:rPr lang="ru-RU"/>
               <a:t>Четвертый уровень</a:t>
             </a:r>
           </a:p>
           <a:p>
             <a:pPr lvl="4"/>
             <a:r>
-              <a:rPr lang="ru-RU" smtClean="0"/>
+              <a:rPr lang="ru-RU"/>
               <a:t>Пятый уровень</a:t>
             </a:r>
             <a:endParaRPr lang="en-US" dirty="0"/>
@@ -3761,7 +3761,7 @@
           <a:p>
             <a:fld id="{7B610FD7-FF95-4CAE-A389-E9DAE0FFFD12}" type="datetime1">
               <a:rPr lang="en-US" smtClean="0"/>
-              <a:t>06/17/2025</a:t>
+              <a:t>12/23/2025</a:t>
             </a:fld>
             <a:endParaRPr lang="en-US"/>
           </a:p>
@@ -3864,7 +3864,7 @@
           </a:lstStyle>
           <a:p>
             <a:r>
-              <a:rPr lang="ru-RU" smtClean="0"/>
+              <a:rPr lang="ru-RU"/>
               <a:t>Образец заголовка</a:t>
             </a:r>
             <a:endParaRPr lang="en-US" dirty="0"/>
@@ -3985,7 +3985,7 @@
           <a:p>
             <a:pPr lvl="0"/>
             <a:r>
-              <a:rPr lang="ru-RU" smtClean="0"/>
+              <a:rPr lang="ru-RU"/>
               <a:t>Образец текста</a:t>
             </a:r>
           </a:p>
@@ -4008,7 +4008,7 @@
           <a:p>
             <a:fld id="{4B718B67-FB57-4FB0-B960-4F3AA0C971BB}" type="datetime1">
               <a:rPr lang="en-US" smtClean="0"/>
-              <a:t>06/17/2025</a:t>
+              <a:t>12/23/2025</a:t>
             </a:fld>
             <a:endParaRPr lang="en-US"/>
           </a:p>
@@ -4102,7 +4102,7 @@
           <a:lstStyle/>
           <a:p>
             <a:r>
-              <a:rPr lang="ru-RU" smtClean="0"/>
+              <a:rPr lang="ru-RU"/>
               <a:t>Образец заголовка</a:t>
             </a:r>
             <a:endParaRPr lang="en-US" dirty="0"/>
@@ -4161,35 +4161,35 @@
           <a:p>
             <a:pPr lvl="0"/>
             <a:r>
-              <a:rPr lang="ru-RU" smtClean="0"/>
+              <a:rPr lang="ru-RU"/>
               <a:t>Образец текста</a:t>
             </a:r>
           </a:p>
           <a:p>
             <a:pPr lvl="1"/>
             <a:r>
-              <a:rPr lang="ru-RU" smtClean="0"/>
+              <a:rPr lang="ru-RU"/>
               <a:t>Второй уровень</a:t>
             </a:r>
           </a:p>
           <a:p>
             <a:pPr lvl="2"/>
             <a:r>
-              <a:rPr lang="ru-RU" smtClean="0"/>
+              <a:rPr lang="ru-RU"/>
               <a:t>Третий уровень</a:t>
             </a:r>
           </a:p>
           <a:p>
             <a:pPr lvl="3"/>
             <a:r>
-              <a:rPr lang="ru-RU" smtClean="0"/>
+              <a:rPr lang="ru-RU"/>
               <a:t>Четвертый уровень</a:t>
             </a:r>
           </a:p>
           <a:p>
             <a:pPr lvl="4"/>
             <a:r>
-              <a:rPr lang="ru-RU" smtClean="0"/>
+              <a:rPr lang="ru-RU"/>
               <a:t>Пятый уровень</a:t>
             </a:r>
             <a:endParaRPr lang="en-US" dirty="0"/>
@@ -4248,35 +4248,35 @@
           <a:p>
             <a:pPr lvl="0"/>
             <a:r>
-              <a:rPr lang="ru-RU" smtClean="0"/>
+              <a:rPr lang="ru-RU"/>
               <a:t>Образец текста</a:t>
             </a:r>
           </a:p>
           <a:p>
             <a:pPr lvl="1"/>
             <a:r>
-              <a:rPr lang="ru-RU" smtClean="0"/>
+              <a:rPr lang="ru-RU"/>
               <a:t>Второй уровень</a:t>
             </a:r>
           </a:p>
           <a:p>
             <a:pPr lvl="2"/>
             <a:r>
-              <a:rPr lang="ru-RU" smtClean="0"/>
+              <a:rPr lang="ru-RU"/>
               <a:t>Третий уровень</a:t>
             </a:r>
           </a:p>
           <a:p>
             <a:pPr lvl="3"/>
             <a:r>
-              <a:rPr lang="ru-RU" smtClean="0"/>
+              <a:rPr lang="ru-RU"/>
               <a:t>Четвертый уровень</a:t>
             </a:r>
           </a:p>
           <a:p>
             <a:pPr lvl="4"/>
             <a:r>
-              <a:rPr lang="ru-RU" smtClean="0"/>
+              <a:rPr lang="ru-RU"/>
               <a:t>Пятый уровень</a:t>
             </a:r>
             <a:endParaRPr lang="en-US" dirty="0"/>
@@ -4300,7 +4300,7 @@
           <a:p>
             <a:fld id="{00A8DE7C-88F4-42B2-B7C2-6CE568475297}" type="datetime1">
               <a:rPr lang="en-US" smtClean="0"/>
-              <a:t>06/17/2025</a:t>
+              <a:t>12/23/2025</a:t>
             </a:fld>
             <a:endParaRPr lang="en-US"/>
           </a:p>
@@ -4398,7 +4398,7 @@
           </a:lstStyle>
           <a:p>
             <a:r>
-              <a:rPr lang="ru-RU" smtClean="0"/>
+              <a:rPr lang="ru-RU"/>
               <a:t>Образец заголовка</a:t>
             </a:r>
             <a:endParaRPr lang="en-US" dirty="0"/>
@@ -4473,7 +4473,7 @@
           <a:p>
             <a:pPr lvl="0"/>
             <a:r>
-              <a:rPr lang="ru-RU" smtClean="0"/>
+              <a:rPr lang="ru-RU"/>
               <a:t>Образец текста</a:t>
             </a:r>
           </a:p>
@@ -4531,35 +4531,35 @@
           <a:p>
             <a:pPr lvl="0"/>
             <a:r>
-              <a:rPr lang="ru-RU" smtClean="0"/>
+              <a:rPr lang="ru-RU"/>
               <a:t>Образец текста</a:t>
             </a:r>
           </a:p>
           <a:p>
             <a:pPr lvl="1"/>
             <a:r>
-              <a:rPr lang="ru-RU" smtClean="0"/>
+              <a:rPr lang="ru-RU"/>
               <a:t>Второй уровень</a:t>
             </a:r>
           </a:p>
           <a:p>
             <a:pPr lvl="2"/>
             <a:r>
-              <a:rPr lang="ru-RU" smtClean="0"/>
+              <a:rPr lang="ru-RU"/>
               <a:t>Третий уровень</a:t>
             </a:r>
           </a:p>
           <a:p>
             <a:pPr lvl="3"/>
             <a:r>
-              <a:rPr lang="ru-RU" smtClean="0"/>
+              <a:rPr lang="ru-RU"/>
               <a:t>Четвертый уровень</a:t>
             </a:r>
           </a:p>
           <a:p>
             <a:pPr lvl="4"/>
             <a:r>
-              <a:rPr lang="ru-RU" smtClean="0"/>
+              <a:rPr lang="ru-RU"/>
               <a:t>Пятый уровень</a:t>
             </a:r>
             <a:endParaRPr lang="en-US" dirty="0"/>
@@ -4634,7 +4634,7 @@
           <a:p>
             <a:pPr lvl="0"/>
             <a:r>
-              <a:rPr lang="ru-RU" smtClean="0"/>
+              <a:rPr lang="ru-RU"/>
               <a:t>Образец текста</a:t>
             </a:r>
           </a:p>
@@ -4692,35 +4692,35 @@
           <a:p>
             <a:pPr lvl="0"/>
             <a:r>
-              <a:rPr lang="ru-RU" smtClean="0"/>
+              <a:rPr lang="ru-RU"/>
               <a:t>Образец текста</a:t>
             </a:r>
           </a:p>
           <a:p>
             <a:pPr lvl="1"/>
             <a:r>
-              <a:rPr lang="ru-RU" smtClean="0"/>
+              <a:rPr lang="ru-RU"/>
               <a:t>Второй уровень</a:t>
             </a:r>
           </a:p>
           <a:p>
             <a:pPr lvl="2"/>
             <a:r>
-              <a:rPr lang="ru-RU" smtClean="0"/>
+              <a:rPr lang="ru-RU"/>
               <a:t>Третий уровень</a:t>
             </a:r>
           </a:p>
           <a:p>
             <a:pPr lvl="3"/>
             <a:r>
-              <a:rPr lang="ru-RU" smtClean="0"/>
+              <a:rPr lang="ru-RU"/>
               <a:t>Четвертый уровень</a:t>
             </a:r>
           </a:p>
           <a:p>
             <a:pPr lvl="4"/>
             <a:r>
-              <a:rPr lang="ru-RU" smtClean="0"/>
+              <a:rPr lang="ru-RU"/>
               <a:t>Пятый уровень</a:t>
             </a:r>
             <a:endParaRPr lang="en-US" dirty="0"/>
@@ -4744,7 +4744,7 @@
           <a:p>
             <a:fld id="{AEA3FB5F-A32B-43E2-87D2-C43BD88F5EE5}" type="datetime1">
               <a:rPr lang="en-US" smtClean="0"/>
-              <a:t>06/17/2025</a:t>
+              <a:t>12/23/2025</a:t>
             </a:fld>
             <a:endParaRPr lang="en-US"/>
           </a:p>
@@ -4838,7 +4838,7 @@
           <a:lstStyle/>
           <a:p>
             <a:r>
-              <a:rPr lang="ru-RU" smtClean="0"/>
+              <a:rPr lang="ru-RU"/>
               <a:t>Образец заголовка</a:t>
             </a:r>
             <a:endParaRPr lang="en-US" dirty="0"/>
@@ -4862,7 +4862,7 @@
           <a:p>
             <a:fld id="{4387F612-59BD-4912-B4BD-A0710DAE63DA}" type="datetime1">
               <a:rPr lang="en-US" smtClean="0"/>
-              <a:t>06/17/2025</a:t>
+              <a:t>12/23/2025</a:t>
             </a:fld>
             <a:endParaRPr lang="en-US"/>
           </a:p>
@@ -4957,7 +4957,7 @@
           <a:p>
             <a:fld id="{2EC5346F-D350-4318-86B9-0AC729C390D2}" type="datetime1">
               <a:rPr lang="en-US" smtClean="0"/>
-              <a:t>06/17/2025</a:t>
+              <a:t>12/23/2025</a:t>
             </a:fld>
             <a:endParaRPr lang="en-US"/>
           </a:p>
@@ -5060,7 +5060,7 @@
           </a:lstStyle>
           <a:p>
             <a:r>
-              <a:rPr lang="ru-RU" smtClean="0"/>
+              <a:rPr lang="ru-RU"/>
               <a:t>Образец заголовка</a:t>
             </a:r>
             <a:endParaRPr lang="en-US" dirty="0"/>
@@ -5119,35 +5119,35 @@
           <a:p>
             <a:pPr lvl="0"/>
             <a:r>
-              <a:rPr lang="ru-RU" smtClean="0"/>
+              <a:rPr lang="ru-RU"/>
               <a:t>Образец текста</a:t>
             </a:r>
           </a:p>
           <a:p>
             <a:pPr lvl="1"/>
             <a:r>
-              <a:rPr lang="ru-RU" smtClean="0"/>
+              <a:rPr lang="ru-RU"/>
               <a:t>Второй уровень</a:t>
             </a:r>
           </a:p>
           <a:p>
             <a:pPr lvl="2"/>
             <a:r>
-              <a:rPr lang="ru-RU" smtClean="0"/>
+              <a:rPr lang="ru-RU"/>
               <a:t>Третий уровень</a:t>
             </a:r>
           </a:p>
           <a:p>
             <a:pPr lvl="3"/>
             <a:r>
-              <a:rPr lang="ru-RU" smtClean="0"/>
+              <a:rPr lang="ru-RU"/>
               <a:t>Четвертый уровень</a:t>
             </a:r>
           </a:p>
           <a:p>
             <a:pPr lvl="4"/>
             <a:r>
-              <a:rPr lang="ru-RU" smtClean="0"/>
+              <a:rPr lang="ru-RU"/>
               <a:t>Пятый уровень</a:t>
             </a:r>
             <a:endParaRPr lang="en-US" dirty="0"/>
@@ -5213,7 +5213,7 @@
           <a:p>
             <a:pPr lvl="0"/>
             <a:r>
-              <a:rPr lang="ru-RU" smtClean="0"/>
+              <a:rPr lang="ru-RU"/>
               <a:t>Образец текста</a:t>
             </a:r>
           </a:p>
@@ -5236,7 +5236,7 @@
           <a:p>
             <a:fld id="{410BA645-AFCF-4561-B9D6-7B8A5D8DBC8A}" type="datetime1">
               <a:rPr lang="en-US" smtClean="0"/>
-              <a:t>06/17/2025</a:t>
+              <a:t>12/23/2025</a:t>
             </a:fld>
             <a:endParaRPr lang="en-US"/>
           </a:p>
@@ -5341,7 +5341,7 @@
           </a:lstStyle>
           <a:p>
             <a:r>
-              <a:rPr lang="ru-RU" smtClean="0"/>
+              <a:rPr lang="ru-RU"/>
               <a:t>Образец заголовка</a:t>
             </a:r>
             <a:endParaRPr lang="en-US" dirty="0"/>
@@ -5420,7 +5420,7 @@
           </a:lstStyle>
           <a:p>
             <a:r>
-              <a:rPr lang="ru-RU" smtClean="0"/>
+              <a:rPr lang="ru-RU"/>
               <a:t>Вставка рисунка</a:t>
             </a:r>
             <a:endParaRPr lang="en-US" dirty="0"/>
@@ -5488,7 +5488,7 @@
           <a:p>
             <a:pPr lvl="0"/>
             <a:r>
-              <a:rPr lang="ru-RU" smtClean="0"/>
+              <a:rPr lang="ru-RU"/>
               <a:t>Образец текста</a:t>
             </a:r>
           </a:p>
@@ -5511,7 +5511,7 @@
           <a:p>
             <a:fld id="{7100A75D-B9C2-4EAC-8916-74D49E8D642C}" type="datetime1">
               <a:rPr lang="en-US" smtClean="0"/>
-              <a:t>06/17/2025</a:t>
+              <a:t>12/23/2025</a:t>
             </a:fld>
             <a:endParaRPr lang="en-US"/>
           </a:p>
@@ -5971,7 +5971,7 @@
           <a:lstStyle/>
           <a:p>
             <a:r>
-              <a:rPr lang="ru-RU" smtClean="0"/>
+              <a:rPr lang="ru-RU"/>
               <a:t>Образец заголовка</a:t>
             </a:r>
             <a:endParaRPr lang="en-US" dirty="0"/>
@@ -6005,35 +6005,35 @@
           <a:p>
             <a:pPr lvl="0"/>
             <a:r>
-              <a:rPr lang="ru-RU" smtClean="0"/>
+              <a:rPr lang="ru-RU"/>
               <a:t>Образец текста</a:t>
             </a:r>
           </a:p>
           <a:p>
             <a:pPr lvl="1"/>
             <a:r>
-              <a:rPr lang="ru-RU" smtClean="0"/>
+              <a:rPr lang="ru-RU"/>
               <a:t>Второй уровень</a:t>
             </a:r>
           </a:p>
           <a:p>
             <a:pPr lvl="2"/>
             <a:r>
-              <a:rPr lang="ru-RU" smtClean="0"/>
+              <a:rPr lang="ru-RU"/>
               <a:t>Третий уровень</a:t>
             </a:r>
           </a:p>
           <a:p>
             <a:pPr lvl="3"/>
             <a:r>
-              <a:rPr lang="ru-RU" smtClean="0"/>
+              <a:rPr lang="ru-RU"/>
               <a:t>Четвертый уровень</a:t>
             </a:r>
           </a:p>
           <a:p>
             <a:pPr lvl="4"/>
             <a:r>
-              <a:rPr lang="ru-RU" smtClean="0"/>
+              <a:rPr lang="ru-RU"/>
               <a:t>Пятый уровень</a:t>
             </a:r>
             <a:endParaRPr lang="en-US" dirty="0"/>
@@ -6076,7 +6076,7 @@
           <a:p>
             <a:fld id="{BF7CB1FB-78E3-44FD-9B54-8CEEA3F15F72}" type="datetime1">
               <a:rPr lang="en-US" smtClean="0"/>
-              <a:t>06/17/2025</a:t>
+              <a:t>12/23/2025</a:t>
             </a:fld>
             <a:endParaRPr lang="en-US"/>
           </a:p>
@@ -6627,14 +6627,10 @@
           <a:p>
             <a:r>
               <a:rPr sz="4800" dirty="0"/>
-              <a:t>Forest Fire Risk Mapping and Simulation </a:t>
-            </a:r>
-            <a:r>
-              <a:rPr sz="4800" dirty="0" smtClean="0"/>
-              <a:t>System</a:t>
-            </a:r>
-            <a:r>
-              <a:rPr lang="en-US" sz="4800" dirty="0" smtClean="0"/>
+              <a:t>Forest Fire Risk Mapping and Simulation System</a:t>
+            </a:r>
+            <a:r>
+              <a:rPr lang="en-US" sz="4800" dirty="0"/>
               <a:t> (Russia, Siberia Focus)</a:t>
             </a:r>
             <a:endParaRPr sz="4800" dirty="0"/>
@@ -6664,29 +6660,20 @@
           <a:lstStyle/>
           <a:p>
             <a:r>
-              <a:rPr lang="en-US" dirty="0" smtClean="0"/>
+              <a:rPr lang="en-US" dirty="0"/>
               <a:t>By: </a:t>
             </a:r>
             <a:r>
-              <a:rPr dirty="0" smtClean="0"/>
+              <a:rPr dirty="0"/>
               <a:t>Kharlamov Ilia</a:t>
             </a:r>
-            <a:endParaRPr lang="en-US" dirty="0" smtClean="0"/>
-          </a:p>
-          <a:p>
-            <a:r>
-              <a:rPr dirty="0" smtClean="0"/>
-              <a:t>ID</a:t>
-            </a:r>
+            <a:endParaRPr lang="en-US" dirty="0"/>
+          </a:p>
+          <a:p>
             <a:r>
               <a:rPr dirty="0"/>
-              <a:t>: </a:t>
-            </a:r>
-            <a:r>
-              <a:rPr dirty="0" smtClean="0"/>
-              <a:t>23605104</a:t>
-            </a:r>
-            <a:endParaRPr dirty="0"/>
+              <a:t>ID: 23605104</a:t>
+            </a:r>
           </a:p>
         </p:txBody>
       </p:sp>
@@ -6695,13 +6682,6 @@
   <p:clrMapOvr>
     <a:masterClrMapping/>
   </p:clrMapOvr>
-  <p:timing>
-    <p:tnLst>
-      <p:par>
-        <p:cTn id="1" dur="indefinite" restart="never" nodeType="tmRoot"/>
-      </p:par>
-    </p:tnLst>
-  </p:timing>
 </p:sld>
 </file>
 
@@ -6875,13 +6855,6 @@
   <p:clrMapOvr>
     <a:masterClrMapping/>
   </p:clrMapOvr>
-  <p:timing>
-    <p:tnLst>
-      <p:par>
-        <p:cTn id="1" dur="indefinite" restart="never" nodeType="tmRoot"/>
-      </p:par>
-    </p:tnLst>
-  </p:timing>
 </p:sld>
 </file>
 
@@ -6918,10 +6891,9 @@
           <a:lstStyle/>
           <a:p>
             <a:r>
-              <a:rPr lang="en-US" dirty="0" smtClean="0"/>
+              <a:rPr lang="en-US" dirty="0"/>
               <a:t>Outputs</a:t>
             </a:r>
-            <a:endParaRPr lang="en-US" dirty="0"/>
           </a:p>
         </p:txBody>
       </p:sp>
@@ -6947,13 +6919,8 @@
           <a:p>
             <a:r>
               <a:rPr lang="en-US" dirty="0"/>
-              <a:t>f</a:t>
-            </a:r>
-            <a:r>
-              <a:rPr lang="en-US" dirty="0" smtClean="0"/>
-              <a:t>ire_map.html</a:t>
-            </a:r>
-            <a:endParaRPr lang="en-US" dirty="0"/>
+              <a:t>fire_map.html</a:t>
+            </a:r>
           </a:p>
         </p:txBody>
       </p:sp>
@@ -7013,13 +6980,6 @@
   <p:clrMapOvr>
     <a:masterClrMapping/>
   </p:clrMapOvr>
-  <p:timing>
-    <p:tnLst>
-      <p:par>
-        <p:cTn id="1" dur="indefinite" restart="never" nodeType="tmRoot"/>
-      </p:par>
-    </p:tnLst>
-  </p:timing>
 </p:sld>
 </file>
 
@@ -7056,7 +7016,7 @@
           <a:lstStyle/>
           <a:p>
             <a:r>
-              <a:rPr lang="en-US" dirty="0" smtClean="0"/>
+              <a:rPr lang="en-US" dirty="0"/>
               <a:t>Limitations</a:t>
             </a:r>
             <a:endParaRPr dirty="0"/>
@@ -7134,13 +7094,6 @@
   <p:clrMapOvr>
     <a:masterClrMapping/>
   </p:clrMapOvr>
-  <p:timing>
-    <p:tnLst>
-      <p:par>
-        <p:cTn id="1" dur="indefinite" restart="never" nodeType="tmRoot"/>
-      </p:par>
-    </p:tnLst>
-  </p:timing>
 </p:sld>
 </file>
 
@@ -7201,16 +7154,12 @@
           </a:p>
           <a:p>
             <a:r>
-              <a:rPr lang="en-US" dirty="0" smtClean="0"/>
+              <a:rPr lang="en-US" dirty="0"/>
               <a:t>Include</a:t>
             </a:r>
             <a:r>
-              <a:rPr dirty="0" smtClean="0"/>
-              <a:t> </a:t>
-            </a:r>
-            <a:r>
               <a:rPr dirty="0"/>
-              <a:t>elevation and rivers as spread barriers</a:t>
+              <a:t> elevation and rivers as spread barriers</a:t>
             </a:r>
           </a:p>
           <a:p>
@@ -7261,13 +7210,6 @@
   <p:clrMapOvr>
     <a:masterClrMapping/>
   </p:clrMapOvr>
-  <p:timing>
-    <p:tnLst>
-      <p:par>
-        <p:cTn id="1" dur="indefinite" restart="never" nodeType="tmRoot"/>
-      </p:par>
-    </p:tnLst>
-  </p:timing>
 </p:sld>
 </file>
 
@@ -7327,7 +7269,7 @@
         </p:spPr>
         <p:txBody>
           <a:bodyPr>
-            <a:normAutofit fontScale="70000" lnSpcReduction="20000"/>
+            <a:normAutofit fontScale="85000" lnSpcReduction="20000"/>
           </a:bodyPr>
           <a:lstStyle/>
           <a:p>
@@ -7336,31 +7278,16 @@
           <a:p>
             <a:r>
               <a:rPr dirty="0"/>
-              <a:t>Developed by: Kharlamov Ilia</a:t>
-            </a:r>
-          </a:p>
-          <a:p>
-            <a:r>
-              <a:rPr dirty="0"/>
-              <a:t>Supervisor: </a:t>
-            </a:r>
-            <a:r>
-              <a:rPr dirty="0" err="1"/>
-              <a:t>Bahaa</a:t>
-            </a:r>
-            <a:r>
-              <a:rPr dirty="0"/>
-              <a:t> </a:t>
-            </a:r>
-            <a:r>
-              <a:rPr dirty="0" err="1"/>
-              <a:t>Mohamadi</a:t>
-            </a:r>
-            <a:endParaRPr dirty="0"/>
-          </a:p>
-          <a:p>
-            <a:r>
-              <a:rPr lang="en-US" dirty="0" smtClean="0"/>
+              <a:t>Developed by: </a:t>
+            </a:r>
+            <a:r>
+              <a:t>Kharlamov Ilia</a:t>
+            </a:r>
+            <a:endParaRPr lang="en-US"/>
+          </a:p>
+          <a:p>
+            <a:r>
+              <a:rPr lang="en-US"/>
               <a:t>Fire </a:t>
             </a:r>
             <a:r>
@@ -7371,11 +7298,7 @@
           <a:p>
             <a:r>
               <a:rPr lang="en-US" dirty="0"/>
-              <a:t>MODIS Active Fire Data (</a:t>
-            </a:r>
-            <a:r>
-              <a:rPr lang="en-US" dirty="0" smtClean="0"/>
-              <a:t>FIRMS)</a:t>
+              <a:t>MODIS Active Fire Data (FIRMS)</a:t>
             </a:r>
           </a:p>
           <a:p>
@@ -7384,34 +7307,17 @@
             </a:pPr>
             <a:r>
               <a:rPr lang="en-US" dirty="0"/>
-              <a:t> </a:t>
-            </a:r>
-            <a:r>
-              <a:rPr lang="en-US" dirty="0" smtClean="0"/>
-              <a:t>     NASA’s </a:t>
-            </a:r>
+              <a:t>      NASA’s Fire Information for Resource Management System</a:t>
+            </a:r>
+          </a:p>
+          <a:p>
+            <a:pPr marL="0" indent="0">
+              <a:buNone/>
+            </a:pPr>
             <a:r>
               <a:rPr lang="en-US" dirty="0"/>
-              <a:t>Fire Information for Resource Management System</a:t>
-            </a:r>
-          </a:p>
-          <a:p>
-            <a:pPr marL="0" indent="0">
-              <a:buNone/>
-            </a:pPr>
-            <a:r>
-              <a:rPr lang="en-US" dirty="0" smtClean="0"/>
-              <a:t>      🔗 </a:t>
-            </a:r>
-            <a:r>
-              <a:rPr lang="en-US" dirty="0"/>
-              <a:t>https://firms.modaps.eosdis.nasa.gov</a:t>
-            </a:r>
-            <a:r>
-              <a:rPr lang="en-US" dirty="0" smtClean="0"/>
-              <a:t>/</a:t>
-            </a:r>
-            <a:endParaRPr lang="en-US" dirty="0"/>
+              <a:t>      🔗 https://firms.modaps.eosdis.nasa.gov/</a:t>
+            </a:r>
           </a:p>
           <a:p>
             <a:r>
@@ -7424,12 +7330,8 @@
               <a:buNone/>
             </a:pPr>
             <a:r>
-              <a:rPr lang="en-US" dirty="0" smtClean="0"/>
-              <a:t>      NASA </a:t>
-            </a:r>
-            <a:r>
               <a:rPr lang="en-US" dirty="0"/>
-              <a:t>MOD13Q1: Normalized Difference Vegetation Index</a:t>
+              <a:t>      NASA MOD13Q1: Normalized Difference Vegetation Index</a:t>
             </a:r>
           </a:p>
           <a:p>
@@ -7437,26 +7339,14 @@
               <a:buNone/>
             </a:pPr>
             <a:r>
-              <a:rPr lang="en-US" dirty="0" smtClean="0"/>
-              <a:t>      🔗 </a:t>
-            </a:r>
-            <a:r>
               <a:rPr lang="en-US" dirty="0"/>
-              <a:t>https://lpdaac.usgs.gov/products/mod13q1v006/</a:t>
-            </a:r>
-          </a:p>
-          <a:p>
-            <a:r>
-              <a:rPr lang="en-US" dirty="0" smtClean="0"/>
-              <a:t>GADM </a:t>
-            </a:r>
+              <a:t>      🔗 https://lpdaac.usgs.gov/products/mod13q1v006/</a:t>
+            </a:r>
+          </a:p>
+          <a:p>
             <a:r>
               <a:rPr lang="en-US" dirty="0"/>
-              <a:t>Database of Global Administrative </a:t>
-            </a:r>
-            <a:r>
-              <a:rPr lang="en-US" dirty="0" smtClean="0"/>
-              <a:t>Areas </a:t>
+              <a:t>GADM Database of Global Administrative Areas </a:t>
             </a:r>
           </a:p>
           <a:p>
@@ -7465,25 +7355,12 @@
             </a:pPr>
             <a:r>
               <a:rPr lang="en-US" dirty="0"/>
-              <a:t> </a:t>
-            </a:r>
-            <a:r>
-              <a:rPr lang="en-US" dirty="0" smtClean="0"/>
-              <a:t>     🔗 https</a:t>
-            </a:r>
+              <a:t>      🔗 https://gadm.org/</a:t>
+            </a:r>
+          </a:p>
+          <a:p>
             <a:r>
               <a:rPr lang="en-US" dirty="0"/>
-              <a:t>://gadm.org</a:t>
-            </a:r>
-            <a:r>
-              <a:rPr lang="en-US" dirty="0" smtClean="0"/>
-              <a:t>/</a:t>
-            </a:r>
-            <a:endParaRPr lang="en-US" dirty="0"/>
-          </a:p>
-          <a:p>
-            <a:r>
-              <a:rPr lang="en-US" dirty="0" smtClean="0"/>
               <a:t>Weather Data – WeatherAPI </a:t>
             </a:r>
           </a:p>
@@ -7493,15 +7370,7 @@
             </a:pPr>
             <a:r>
               <a:rPr lang="en-US" dirty="0"/>
-              <a:t> </a:t>
-            </a:r>
-            <a:r>
-              <a:rPr lang="en-US" dirty="0" smtClean="0"/>
-              <a:t>      🔗 </a:t>
-            </a:r>
-            <a:r>
-              <a:rPr lang="en-US" dirty="0"/>
-              <a:t>https://www.weatherapi.com/</a:t>
+              <a:t>       🔗 https://www.weatherapi.com/</a:t>
             </a:r>
             <a:endParaRPr dirty="0"/>
           </a:p>
@@ -7535,13 +7404,6 @@
   <p:clrMapOvr>
     <a:masterClrMapping/>
   </p:clrMapOvr>
-  <p:timing>
-    <p:tnLst>
-      <p:par>
-        <p:cTn id="1" dur="indefinite" restart="never" nodeType="tmRoot"/>
-      </p:par>
-    </p:tnLst>
-  </p:timing>
 </p:sld>
 </file>
 
@@ -7603,21 +7465,16 @@
           <a:p>
             <a:r>
               <a:rPr dirty="0"/>
-              <a:t>Design a GIS-based simulation platform for assessing forest fire risk in </a:t>
-            </a:r>
-            <a:r>
-              <a:rPr dirty="0" smtClean="0"/>
-              <a:t>Russia</a:t>
-            </a:r>
-            <a:r>
-              <a:rPr lang="en-US" dirty="0" smtClean="0"/>
+              <a:t>Design a GIS-based simulation platform for assessing forest fire risk in Russia</a:t>
+            </a:r>
+            <a:r>
+              <a:rPr lang="en-US" dirty="0"/>
               <a:t>, Siberia</a:t>
             </a:r>
             <a:r>
-              <a:rPr dirty="0" smtClean="0"/>
+              <a:rPr dirty="0"/>
               <a:t>.</a:t>
             </a:r>
-            <a:endParaRPr dirty="0"/>
           </a:p>
           <a:p>
             <a:r>
@@ -7661,13 +7518,6 @@
   <p:clrMapOvr>
     <a:masterClrMapping/>
   </p:clrMapOvr>
-  <p:timing>
-    <p:tnLst>
-      <p:par>
-        <p:cTn id="1" dur="indefinite" restart="never" nodeType="tmRoot"/>
-      </p:par>
-    </p:tnLst>
-  </p:timing>
 </p:sld>
 </file>
 
@@ -7732,54 +7582,32 @@
           <a:p>
             <a:r>
               <a:rPr lang="en-US" dirty="0"/>
-              <a:t>Largest Forest </a:t>
-            </a:r>
-            <a:r>
-              <a:rPr lang="en-US" dirty="0" smtClean="0"/>
-              <a:t>Region – over 60% of Russia’s forests</a:t>
+              <a:t>Largest Forest Region – over 60% of Russia’s forests</a:t>
             </a:r>
           </a:p>
           <a:p>
             <a:r>
               <a:rPr lang="en-US" dirty="0"/>
-              <a:t>Increased frequency of droughts and extreme fire </a:t>
-            </a:r>
-            <a:r>
-              <a:rPr lang="en-US" dirty="0" smtClean="0"/>
-              <a:t>events</a:t>
+              <a:t>Increased frequency of droughts and extreme fire events</a:t>
             </a:r>
           </a:p>
           <a:p>
             <a:r>
               <a:rPr lang="en-US" dirty="0"/>
-              <a:t>Fire simulation helps prioritize risk </a:t>
-            </a:r>
-            <a:r>
-              <a:rPr lang="en-US" dirty="0" smtClean="0"/>
-              <a:t>zones</a:t>
-            </a:r>
-          </a:p>
-          <a:p>
-            <a:r>
-              <a:rPr lang="en-US" dirty="0" smtClean="0"/>
-              <a:t>Siberian </a:t>
-            </a:r>
+              <a:t>Fire simulation helps prioritize risk zones</a:t>
+            </a:r>
+          </a:p>
+          <a:p>
             <a:r>
               <a:rPr lang="en-US" dirty="0"/>
-              <a:t>fires emit massive CO₂, affecting global </a:t>
-            </a:r>
-            <a:r>
-              <a:rPr lang="en-US" dirty="0" smtClean="0"/>
-              <a:t>climate</a:t>
-            </a:r>
-            <a:endParaRPr lang="en-US" dirty="0"/>
+              <a:t>Siberian fires emit massive CO₂, affecting global climate</a:t>
+            </a:r>
           </a:p>
           <a:p>
             <a:r>
               <a:rPr lang="en-US" dirty="0"/>
               <a:t>Smoke affects air quality across Arctic, Europe, and Asia</a:t>
             </a:r>
-            <a:endParaRPr lang="en-US" dirty="0" smtClean="0"/>
           </a:p>
           <a:p>
             <a:endParaRPr lang="en-US" dirty="0"/>
@@ -8017,11 +7845,7 @@
           <a:p>
             <a:r>
               <a:rPr lang="en-US" dirty="0"/>
-              <a:t>Geospatial Data </a:t>
-            </a:r>
-            <a:r>
-              <a:rPr lang="en-US" dirty="0" smtClean="0"/>
-              <a:t>Handling</a:t>
+              <a:t>Geospatial Data Handling</a:t>
             </a:r>
           </a:p>
           <a:p>
@@ -8029,26 +7853,17 @@
               <a:rPr lang="en-US" dirty="0"/>
               <a:t>Object-Oriented Design</a:t>
             </a:r>
-            <a:endParaRPr lang="en-US" dirty="0" smtClean="0"/>
           </a:p>
           <a:p>
             <a:r>
               <a:rPr lang="en-US" dirty="0"/>
-              <a:t>Fire Risk </a:t>
-            </a:r>
-            <a:r>
-              <a:rPr lang="en-US" dirty="0" smtClean="0"/>
-              <a:t>Assessment</a:t>
+              <a:t>Fire Risk Assessment</a:t>
             </a:r>
           </a:p>
           <a:p>
             <a:r>
               <a:rPr lang="en-US" dirty="0"/>
-              <a:t>Fire Spread </a:t>
-            </a:r>
-            <a:r>
-              <a:rPr lang="en-US" dirty="0" smtClean="0"/>
-              <a:t>Simulation</a:t>
+              <a:t>Fire Spread Simulation</a:t>
             </a:r>
           </a:p>
           <a:p>
@@ -8056,7 +7871,6 @@
               <a:rPr lang="en-US" dirty="0"/>
               <a:t>Map Visualization</a:t>
             </a:r>
-            <a:endParaRPr lang="en-US" dirty="0"/>
           </a:p>
         </p:txBody>
       </p:sp>
@@ -8065,13 +7879,6 @@
   <p:clrMapOvr>
     <a:masterClrMapping/>
   </p:clrMapOvr>
-  <p:timing>
-    <p:tnLst>
-      <p:par>
-        <p:cTn id="1" dur="indefinite" restart="never" nodeType="tmRoot"/>
-      </p:par>
-    </p:tnLst>
-  </p:timing>
 </p:sld>
 </file>
 
@@ -8131,21 +7938,13 @@
           <a:p>
             <a:r>
               <a:rPr lang="en-US" dirty="0"/>
-              <a:t>1. Geospatial Region Data (GADM</a:t>
-            </a:r>
-            <a:r>
-              <a:rPr lang="en-US" dirty="0" smtClean="0"/>
-              <a:t>)</a:t>
+              <a:t>1. Geospatial Region Data (GADM)</a:t>
             </a:r>
           </a:p>
           <a:p>
             <a:r>
               <a:rPr lang="en-US" dirty="0"/>
-              <a:t>2. Fire Ignition Points (NASA FIRMS</a:t>
-            </a:r>
-            <a:r>
-              <a:rPr lang="en-US" dirty="0" smtClean="0"/>
-              <a:t>)</a:t>
+              <a:t>2. Fire Ignition Points (NASA FIRMS)</a:t>
             </a:r>
           </a:p>
           <a:p>
@@ -8154,16 +7953,11 @@
               <a:rPr lang="en-US" dirty="0"/>
               <a:t>Satellite-detected fire hotspots over 7 days</a:t>
             </a:r>
-            <a:endParaRPr lang="en-US" dirty="0" smtClean="0"/>
           </a:p>
           <a:p>
             <a:r>
               <a:rPr lang="en-US" dirty="0"/>
-              <a:t>3. Weather Data (WeatherAPI</a:t>
-            </a:r>
-            <a:r>
-              <a:rPr lang="en-US" dirty="0" smtClean="0"/>
-              <a:t>)</a:t>
+              <a:t>3. Weather Data (WeatherAPI)</a:t>
             </a:r>
           </a:p>
           <a:p>
@@ -8172,16 +7966,11 @@
               <a:rPr lang="en-US" dirty="0"/>
               <a:t>Real-time risk calculation &amp; directional spread modeling</a:t>
             </a:r>
-            <a:endParaRPr lang="en-US" dirty="0" smtClean="0"/>
           </a:p>
           <a:p>
             <a:r>
               <a:rPr lang="en-US" dirty="0"/>
-              <a:t>4. NDVI Raster (</a:t>
-            </a:r>
-            <a:r>
-              <a:rPr lang="en-US" dirty="0" smtClean="0"/>
-              <a:t>MODIS)</a:t>
+              <a:t>4. NDVI Raster (MODIS)</a:t>
             </a:r>
           </a:p>
           <a:p>
@@ -8226,13 +8015,6 @@
   <p:clrMapOvr>
     <a:masterClrMapping/>
   </p:clrMapOvr>
-  <p:timing>
-    <p:tnLst>
-      <p:par>
-        <p:cTn id="1" dur="indefinite" restart="never" nodeType="tmRoot"/>
-      </p:par>
-    </p:tnLst>
-  </p:timing>
 </p:sld>
 </file>
 
@@ -8269,10 +8051,9 @@
           <a:lstStyle/>
           <a:p>
             <a:r>
-              <a:rPr dirty="0" smtClean="0"/>
+              <a:rPr dirty="0"/>
               <a:t>System Architecture</a:t>
             </a:r>
-            <a:endParaRPr dirty="0"/>
           </a:p>
         </p:txBody>
       </p:sp>
@@ -8305,62 +8086,38 @@
           </a:p>
           <a:p>
             <a:r>
-              <a:rPr dirty="0" smtClean="0"/>
-              <a:t>ignition_point.py</a:t>
-            </a:r>
-            <a:r>
               <a:rPr dirty="0"/>
-              <a:t>: Defines ignition points and computes risk</a:t>
-            </a:r>
-          </a:p>
-          <a:p>
-            <a:r>
-              <a:rPr dirty="0" smtClean="0"/>
-              <a:t>simulator.py</a:t>
-            </a:r>
+              <a:t>ignition_point.py: Defines ignition points and computes risk</a:t>
+            </a:r>
+          </a:p>
+          <a:p>
             <a:r>
               <a:rPr dirty="0"/>
-              <a:t>: Runs the simulation based on risk and wind</a:t>
-            </a:r>
-          </a:p>
-          <a:p>
-            <a:r>
-              <a:rPr dirty="0" smtClean="0"/>
-              <a:t>ndvi_loader.py</a:t>
-            </a:r>
+              <a:t>simulator.py: Runs the simulation based on risk and wind</a:t>
+            </a:r>
+          </a:p>
+          <a:p>
             <a:r>
               <a:rPr dirty="0"/>
-              <a:t>: Loads vegetation index (NDVI)</a:t>
-            </a:r>
-          </a:p>
-          <a:p>
-            <a:r>
-              <a:rPr dirty="0" smtClean="0"/>
-              <a:t>weather_loader.py</a:t>
-            </a:r>
+              <a:t>ndvi_loader.py: Loads vegetation index (NDVI)</a:t>
+            </a:r>
+          </a:p>
+          <a:p>
             <a:r>
               <a:rPr dirty="0"/>
-              <a:t>: Enriches points with live weather data</a:t>
-            </a:r>
-          </a:p>
-          <a:p>
-            <a:r>
-              <a:rPr dirty="0" smtClean="0"/>
-              <a:t>map_renderer.py</a:t>
-            </a:r>
+              <a:t>weather_loader.py: Enriches points with live weather data</a:t>
+            </a:r>
+          </a:p>
+          <a:p>
             <a:r>
               <a:rPr dirty="0"/>
-              <a:t>: Visualizes the fire spread</a:t>
-            </a:r>
-          </a:p>
-          <a:p>
-            <a:r>
-              <a:rPr dirty="0" smtClean="0"/>
-              <a:t>main.py</a:t>
-            </a:r>
+              <a:t>map_renderer.py: Visualizes the fire spread</a:t>
+            </a:r>
+          </a:p>
+          <a:p>
             <a:r>
               <a:rPr dirty="0"/>
-              <a:t>: Orchestrates the process</a:t>
+              <a:t>main.py: Orchestrates the process</a:t>
             </a:r>
           </a:p>
         </p:txBody>
@@ -8417,13 +8174,6 @@
   <p:clrMapOvr>
     <a:masterClrMapping/>
   </p:clrMapOvr>
-  <p:timing>
-    <p:tnLst>
-      <p:par>
-        <p:cTn id="1" dur="indefinite" restart="never" nodeType="tmRoot"/>
-      </p:par>
-    </p:tnLst>
-  </p:timing>
 </p:sld>
 </file>
 
@@ -8553,13 +8303,6 @@
   <p:clrMapOvr>
     <a:masterClrMapping/>
   </p:clrMapOvr>
-  <p:timing>
-    <p:tnLst>
-      <p:par>
-        <p:cTn id="1" dur="indefinite" restart="never" nodeType="tmRoot"/>
-      </p:par>
-    </p:tnLst>
-  </p:timing>
 </p:sld>
 </file>
 
@@ -8626,16 +8369,12 @@
             <a:endParaRPr dirty="0"/>
           </a:p>
           <a:p>
-            <a:endParaRPr lang="en-US" dirty="0" smtClean="0"/>
-          </a:p>
-          <a:p>
-            <a:r>
-              <a:rPr dirty="0" smtClean="0"/>
-              <a:t>NDVI </a:t>
-            </a:r>
+            <a:endParaRPr lang="en-US" dirty="0"/>
+          </a:p>
+          <a:p>
             <a:r>
               <a:rPr dirty="0"/>
-              <a:t>must be ≥ 0.15 to allow fire spread</a:t>
+              <a:t>NDVI must be ≥ 0.15 to allow fire spread</a:t>
             </a:r>
           </a:p>
         </p:txBody>
@@ -8740,13 +8479,6 @@
   <p:clrMapOvr>
     <a:masterClrMapping/>
   </p:clrMapOvr>
-  <p:timing>
-    <p:tnLst>
-      <p:par>
-        <p:cTn id="1" dur="indefinite" restart="never" nodeType="tmRoot"/>
-      </p:par>
-    </p:tnLst>
-  </p:timing>
 </p:sld>
 </file>
 
@@ -8859,13 +8591,6 @@
   <p:clrMapOvr>
     <a:masterClrMapping/>
   </p:clrMapOvr>
-  <p:timing>
-    <p:tnLst>
-      <p:par>
-        <p:cTn id="1" dur="indefinite" restart="never" nodeType="tmRoot"/>
-      </p:par>
-    </p:tnLst>
-  </p:timing>
 </p:sld>
 </file>
 
